--- a/LabEngSoft-2024-2-Sprint#1/Wireframes.pptx
+++ b/LabEngSoft-2024-2-Sprint#1/Wireframes.pptx
@@ -290,7 +290,7 @@
           <a:p>
             <a:fld id="{56B80F1C-EE7F-44D0-A35A-64E08A566F1B}" type="datetimeFigureOut">
               <a:rPr lang="pt-BR" smtClean="0"/>
-              <a:t>09/10/2024</a:t>
+              <a:t>28/10/2024</a:t>
             </a:fld>
             <a:endParaRPr lang="pt-BR"/>
           </a:p>
@@ -488,7 +488,7 @@
           <a:p>
             <a:fld id="{56B80F1C-EE7F-44D0-A35A-64E08A566F1B}" type="datetimeFigureOut">
               <a:rPr lang="pt-BR" smtClean="0"/>
-              <a:t>09/10/2024</a:t>
+              <a:t>28/10/2024</a:t>
             </a:fld>
             <a:endParaRPr lang="pt-BR"/>
           </a:p>
@@ -696,7 +696,7 @@
           <a:p>
             <a:fld id="{56B80F1C-EE7F-44D0-A35A-64E08A566F1B}" type="datetimeFigureOut">
               <a:rPr lang="pt-BR" smtClean="0"/>
-              <a:t>09/10/2024</a:t>
+              <a:t>28/10/2024</a:t>
             </a:fld>
             <a:endParaRPr lang="pt-BR"/>
           </a:p>
@@ -894,7 +894,7 @@
           <a:p>
             <a:fld id="{56B80F1C-EE7F-44D0-A35A-64E08A566F1B}" type="datetimeFigureOut">
               <a:rPr lang="pt-BR" smtClean="0"/>
-              <a:t>09/10/2024</a:t>
+              <a:t>28/10/2024</a:t>
             </a:fld>
             <a:endParaRPr lang="pt-BR"/>
           </a:p>
@@ -1169,7 +1169,7 @@
           <a:p>
             <a:fld id="{56B80F1C-EE7F-44D0-A35A-64E08A566F1B}" type="datetimeFigureOut">
               <a:rPr lang="pt-BR" smtClean="0"/>
-              <a:t>09/10/2024</a:t>
+              <a:t>28/10/2024</a:t>
             </a:fld>
             <a:endParaRPr lang="pt-BR"/>
           </a:p>
@@ -1434,7 +1434,7 @@
           <a:p>
             <a:fld id="{56B80F1C-EE7F-44D0-A35A-64E08A566F1B}" type="datetimeFigureOut">
               <a:rPr lang="pt-BR" smtClean="0"/>
-              <a:t>09/10/2024</a:t>
+              <a:t>28/10/2024</a:t>
             </a:fld>
             <a:endParaRPr lang="pt-BR"/>
           </a:p>
@@ -1846,7 +1846,7 @@
           <a:p>
             <a:fld id="{56B80F1C-EE7F-44D0-A35A-64E08A566F1B}" type="datetimeFigureOut">
               <a:rPr lang="pt-BR" smtClean="0"/>
-              <a:t>09/10/2024</a:t>
+              <a:t>28/10/2024</a:t>
             </a:fld>
             <a:endParaRPr lang="pt-BR"/>
           </a:p>
@@ -1987,7 +1987,7 @@
           <a:p>
             <a:fld id="{56B80F1C-EE7F-44D0-A35A-64E08A566F1B}" type="datetimeFigureOut">
               <a:rPr lang="pt-BR" smtClean="0"/>
-              <a:t>09/10/2024</a:t>
+              <a:t>28/10/2024</a:t>
             </a:fld>
             <a:endParaRPr lang="pt-BR"/>
           </a:p>
@@ -2100,7 +2100,7 @@
           <a:p>
             <a:fld id="{56B80F1C-EE7F-44D0-A35A-64E08A566F1B}" type="datetimeFigureOut">
               <a:rPr lang="pt-BR" smtClean="0"/>
-              <a:t>09/10/2024</a:t>
+              <a:t>28/10/2024</a:t>
             </a:fld>
             <a:endParaRPr lang="pt-BR"/>
           </a:p>
@@ -2411,7 +2411,7 @@
           <a:p>
             <a:fld id="{56B80F1C-EE7F-44D0-A35A-64E08A566F1B}" type="datetimeFigureOut">
               <a:rPr lang="pt-BR" smtClean="0"/>
-              <a:t>09/10/2024</a:t>
+              <a:t>28/10/2024</a:t>
             </a:fld>
             <a:endParaRPr lang="pt-BR"/>
           </a:p>
@@ -2699,7 +2699,7 @@
           <a:p>
             <a:fld id="{56B80F1C-EE7F-44D0-A35A-64E08A566F1B}" type="datetimeFigureOut">
               <a:rPr lang="pt-BR" smtClean="0"/>
-              <a:t>09/10/2024</a:t>
+              <a:t>28/10/2024</a:t>
             </a:fld>
             <a:endParaRPr lang="pt-BR"/>
           </a:p>
@@ -2940,7 +2940,7 @@
           <a:p>
             <a:fld id="{56B80F1C-EE7F-44D0-A35A-64E08A566F1B}" type="datetimeFigureOut">
               <a:rPr lang="pt-BR" smtClean="0"/>
-              <a:t>09/10/2024</a:t>
+              <a:t>28/10/2024</a:t>
             </a:fld>
             <a:endParaRPr lang="pt-BR"/>
           </a:p>
